--- a/presentation.pptx
+++ b/presentation.pptx
@@ -10,16 +10,19 @@
     <p:sldId id="259" r:id="rId4"/>
     <p:sldId id="261" r:id="rId5"/>
     <p:sldId id="256" r:id="rId6"/>
-    <p:sldId id="262" r:id="rId7"/>
-    <p:sldId id="263" r:id="rId8"/>
+    <p:sldId id="266" r:id="rId7"/>
+    <p:sldId id="264" r:id="rId8"/>
+    <p:sldId id="265" r:id="rId9"/>
+    <p:sldId id="262" r:id="rId10"/>
+    <p:sldId id="263" r:id="rId11"/>
   </p:sldIdLst>
   <p:sldSz cx="12192000" cy="6858000"/>
   <p:notesSz cx="6858000" cy="9144000"/>
   <p:embeddedFontLst>
     <p:embeddedFont>
       <p:font typeface="맑은 고딕" panose="020B0503020000020004" pitchFamily="50" charset="-127"/>
-      <p:regular r:id="rId9"/>
-      <p:bold r:id="rId10"/>
+      <p:regular r:id="rId12"/>
+      <p:bold r:id="rId13"/>
     </p:embeddedFont>
   </p:embeddedFontLst>
   <p:defaultTextStyle>
@@ -117,6 +120,11 @@
       </a:defRPr>
     </a:lvl9pPr>
   </p:defaultTextStyle>
+  <p:extLst>
+    <p:ext uri="{EFAFB233-063F-42B5-8137-9DF3F51BA10A}">
+      <p15:sldGuideLst xmlns:p15="http://schemas.microsoft.com/office/powerpoint/2012/main"/>
+    </p:ext>
+  </p:extLst>
 </p:presentation>
 </file>
 
@@ -3024,6 +3032,75 @@
 </p:sld>
 </file>
 
+<file path=ppt/slides/slide10.xml><?xml version="1.0" encoding="utf-8"?>
+<p:sld xmlns:a="http://schemas.openxmlformats.org/drawingml/2006/main" xmlns:r="http://schemas.openxmlformats.org/officeDocument/2006/relationships" xmlns:p="http://schemas.openxmlformats.org/presentationml/2006/main">
+  <p:cSld>
+    <p:bg>
+      <p:bgPr>
+        <a:solidFill>
+          <a:srgbClr val="FF0D54"/>
+        </a:solidFill>
+        <a:effectLst/>
+      </p:bgPr>
+    </p:bg>
+    <p:spTree>
+      <p:nvGrpSpPr>
+        <p:cNvPr id="1" name=""/>
+        <p:cNvGrpSpPr/>
+        <p:nvPr/>
+      </p:nvGrpSpPr>
+      <p:grpSpPr>
+        <a:xfrm>
+          <a:off x="0" y="0"/>
+          <a:ext cx="0" cy="0"/>
+          <a:chOff x="0" y="0"/>
+          <a:chExt cx="0" cy="0"/>
+        </a:xfrm>
+      </p:grpSpPr>
+      <p:pic>
+        <p:nvPicPr>
+          <p:cNvPr id="51" name="그림 50"/>
+          <p:cNvPicPr>
+            <a:picLocks noChangeAspect="1"/>
+          </p:cNvPicPr>
+          <p:nvPr/>
+        </p:nvPicPr>
+        <p:blipFill>
+          <a:blip r:embed="rId2"/>
+          <a:stretch>
+            <a:fillRect/>
+          </a:stretch>
+        </p:blipFill>
+        <p:spPr>
+          <a:xfrm>
+            <a:off x="-55397" y="-29028"/>
+            <a:ext cx="12302794" cy="6565961"/>
+          </a:xfrm>
+          <a:prstGeom prst="rect">
+            <a:avLst/>
+          </a:prstGeom>
+        </p:spPr>
+      </p:pic>
+    </p:spTree>
+    <p:extLst>
+      <p:ext uri="{BB962C8B-B14F-4D97-AF65-F5344CB8AC3E}">
+        <p14:creationId xmlns:p14="http://schemas.microsoft.com/office/powerpoint/2010/main" val="1950387939"/>
+      </p:ext>
+    </p:extLst>
+  </p:cSld>
+  <p:clrMapOvr>
+    <a:masterClrMapping/>
+  </p:clrMapOvr>
+  <p:timing>
+    <p:tnLst>
+      <p:par>
+        <p:cTn id="1" dur="indefinite" restart="never" nodeType="tmRoot"/>
+      </p:par>
+    </p:tnLst>
+  </p:timing>
+</p:sld>
+</file>
+
 <file path=ppt/slides/slide2.xml><?xml version="1.0" encoding="utf-8"?>
 <p:sld xmlns:a="http://schemas.openxmlformats.org/drawingml/2006/main" xmlns:r="http://schemas.openxmlformats.org/officeDocument/2006/relationships" xmlns:p="http://schemas.openxmlformats.org/presentationml/2006/main">
   <p:cSld>
@@ -3641,13 +3718,13 @@
   <p:clrMapOvr>
     <a:masterClrMapping/>
   </p:clrMapOvr>
-  <mc:AlternateContent xmlns:mc="http://schemas.openxmlformats.org/markup-compatibility/2006">
-    <mc:Choice xmlns:p15="http://schemas.microsoft.com/office/powerpoint/2012/main" Requires="p15">
+  <mc:AlternateContent xmlns:mc="http://schemas.openxmlformats.org/markup-compatibility/2006" xmlns:p15="http://schemas.microsoft.com/office/powerpoint/2012/main">
+    <mc:Choice Requires="p15">
       <p:transition xmlns:p14="http://schemas.microsoft.com/office/powerpoint/2010/main" spd="slow" p14:dur="2000">
         <p15:prstTrans prst="crush"/>
       </p:transition>
     </mc:Choice>
-    <mc:Fallback>
+    <mc:Fallback xmlns="">
       <p:transition spd="slow">
         <p:fade/>
       </p:transition>
@@ -4839,31 +4916,94 @@
       </p:grpSpPr>
       <p:pic>
         <p:nvPicPr>
-          <p:cNvPr id="19" name="그림 18"/>
+          <p:cNvPr id="2" name="그림 1"/>
           <p:cNvPicPr>
             <a:picLocks noChangeAspect="1"/>
           </p:cNvPicPr>
           <p:nvPr/>
         </p:nvPicPr>
-        <p:blipFill rotWithShape="1">
-          <a:blip r:embed="rId2"/>
-          <a:srcRect r="16414"/>
-          <a:stretch/>
+        <p:blipFill>
+          <a:blip r:embed="rId2" cstate="print">
+            <a:extLst>
+              <a:ext uri="{28A0092B-C50C-407E-A947-70E740481C1C}">
+                <a14:useLocalDpi xmlns:a14="http://schemas.microsoft.com/office/drawing/2010/main" val="0"/>
+              </a:ext>
+            </a:extLst>
+          </a:blip>
+          <a:stretch>
+            <a:fillRect/>
+          </a:stretch>
         </p:blipFill>
         <p:spPr>
-          <a:xfrm>
-            <a:off x="-58420" y="-25400"/>
-            <a:ext cx="12250420" cy="8480271"/>
+          <a:xfrm rot="16200000">
+            <a:off x="2651816" y="-1323974"/>
+            <a:ext cx="6888370" cy="9505950"/>
           </a:xfrm>
           <a:prstGeom prst="rect">
             <a:avLst/>
           </a:prstGeom>
         </p:spPr>
       </p:pic>
+      <p:pic>
+        <p:nvPicPr>
+          <p:cNvPr id="1026" name="Picture 2" descr="ê´ë ¨ ì´ë¯¸ì§"/>
+          <p:cNvPicPr>
+            <a:picLocks noChangeAspect="1" noChangeArrowheads="1"/>
+          </p:cNvPicPr>
+          <p:nvPr/>
+        </p:nvPicPr>
+        <p:blipFill rotWithShape="1">
+          <a:blip r:embed="rId3">
+            <a:extLst>
+              <a:ext uri="{BEBA8EAE-BF5A-486C-A8C5-ECC9F3942E4B}">
+                <a14:imgProps xmlns:a14="http://schemas.microsoft.com/office/drawing/2010/main">
+                  <a14:imgLayer r:embed="rId4">
+                    <a14:imgEffect>
+                      <a14:backgroundRemoval t="22315" b="70926" l="29329" r="68468">
+                        <a14:foregroundMark x1="37237" y1="34167" x2="37237" y2="34167"/>
+                        <a14:foregroundMark x1="41041" y1="28981" x2="41041" y2="28981"/>
+                        <a14:foregroundMark x1="46547" y1="26759" x2="46547" y2="26759"/>
+                        <a14:foregroundMark x1="51652" y1="29352" x2="51652" y2="29352"/>
+                        <a14:foregroundMark x1="54454" y1="33519" x2="54454" y2="33519"/>
+                        <a14:foregroundMark x1="51251" y1="51852" x2="51251" y2="51852"/>
+                        <a14:foregroundMark x1="59359" y1="50463" x2="53854" y2="57963"/>
+                      </a14:backgroundRemoval>
+                    </a14:imgEffect>
+                  </a14:imgLayer>
+                </a14:imgProps>
+              </a:ext>
+              <a:ext uri="{28A0092B-C50C-407E-A947-70E740481C1C}">
+                <a14:useLocalDpi xmlns:a14="http://schemas.microsoft.com/office/drawing/2010/main" val="0"/>
+              </a:ext>
+            </a:extLst>
+          </a:blip>
+          <a:srcRect l="34603" t="23175" r="32538" b="30087"/>
+          <a:stretch/>
+        </p:blipFill>
+        <p:spPr bwMode="auto">
+          <a:xfrm rot="19692170">
+            <a:off x="3324778" y="2606714"/>
+            <a:ext cx="1991077" cy="3061750"/>
+          </a:xfrm>
+          <a:prstGeom prst="rect">
+            <a:avLst/>
+          </a:prstGeom>
+          <a:noFill/>
+          <a:extLst>
+            <a:ext uri="{909E8E84-426E-40DD-AFC4-6F175D3DCCD1}">
+              <a14:hiddenFill xmlns:a14="http://schemas.microsoft.com/office/drawing/2010/main">
+                <a:solidFill>
+                  <a:srgbClr val="FFFFFF"/>
+                </a:solidFill>
+              </a14:hiddenFill>
+            </a:ext>
+          </a:extLst>
+        </p:spPr>
+      </p:pic>
     </p:spTree>
     <p:extLst>
       <p:ext uri="{BB962C8B-B14F-4D97-AF65-F5344CB8AC3E}">
-        <p14:creationId xmlns:p14="http://schemas.microsoft.com/office/powerpoint/2010/main" val="754237967"/>
+        <p14:creationId xmlns:p14="http://schemas.microsoft.com/office/powerpoint/2010/main" val="1774009799"/>
       </p:ext>
     </p:extLst>
   </p:cSld>
@@ -4873,7 +5013,119 @@
   <p:timing>
     <p:tnLst>
       <p:par>
-        <p:cTn id="1" dur="indefinite" restart="never" nodeType="tmRoot"/>
+        <p:cTn id="1" dur="indefinite" restart="never" nodeType="tmRoot">
+          <p:childTnLst>
+            <p:seq concurrent="1" nextAc="seek">
+              <p:cTn id="2" dur="indefinite" nodeType="mainSeq">
+                <p:childTnLst>
+                  <p:par>
+                    <p:cTn id="3" fill="hold">
+                      <p:stCondLst>
+                        <p:cond delay="indefinite"/>
+                      </p:stCondLst>
+                      <p:childTnLst>
+                        <p:par>
+                          <p:cTn id="4" fill="hold">
+                            <p:stCondLst>
+                              <p:cond delay="0"/>
+                            </p:stCondLst>
+                            <p:childTnLst>
+                              <p:par>
+                                <p:cTn id="5" presetID="1" presetClass="entr" presetSubtype="0" fill="hold" nodeType="clickEffect">
+                                  <p:stCondLst>
+                                    <p:cond delay="0"/>
+                                  </p:stCondLst>
+                                  <p:childTnLst>
+                                    <p:set>
+                                      <p:cBhvr>
+                                        <p:cTn id="6" dur="1" fill="hold">
+                                          <p:stCondLst>
+                                            <p:cond delay="0"/>
+                                          </p:stCondLst>
+                                        </p:cTn>
+                                        <p:tgtEl>
+                                          <p:spTgt spid="1026"/>
+                                        </p:tgtEl>
+                                        <p:attrNameLst>
+                                          <p:attrName>style.visibility</p:attrName>
+                                        </p:attrNameLst>
+                                      </p:cBhvr>
+                                      <p:to>
+                                        <p:strVal val="visible"/>
+                                      </p:to>
+                                    </p:set>
+                                  </p:childTnLst>
+                                </p:cTn>
+                              </p:par>
+                            </p:childTnLst>
+                          </p:cTn>
+                        </p:par>
+                      </p:childTnLst>
+                    </p:cTn>
+                  </p:par>
+                  <p:par>
+                    <p:cTn id="7" fill="hold">
+                      <p:stCondLst>
+                        <p:cond delay="indefinite"/>
+                      </p:stCondLst>
+                      <p:childTnLst>
+                        <p:par>
+                          <p:cTn id="8" fill="hold">
+                            <p:stCondLst>
+                              <p:cond delay="0"/>
+                            </p:stCondLst>
+                            <p:childTnLst>
+                              <p:par>
+                                <p:cTn id="9" presetID="26" presetClass="emph" presetSubtype="0" fill="hold" nodeType="clickEffect">
+                                  <p:stCondLst>
+                                    <p:cond delay="0"/>
+                                  </p:stCondLst>
+                                  <p:childTnLst>
+                                    <p:animEffect transition="out" filter="fade">
+                                      <p:cBhvr>
+                                        <p:cTn id="10" dur="500" tmFilter="0, 0; .2, .5; .8, .5; 1, 0"/>
+                                        <p:tgtEl>
+                                          <p:spTgt spid="1026"/>
+                                        </p:tgtEl>
+                                      </p:cBhvr>
+                                    </p:animEffect>
+                                    <p:animScale>
+                                      <p:cBhvr>
+                                        <p:cTn id="11" dur="250" autoRev="1" fill="hold"/>
+                                        <p:tgtEl>
+                                          <p:spTgt spid="1026"/>
+                                        </p:tgtEl>
+                                      </p:cBhvr>
+                                      <p:by x="105000" y="105000"/>
+                                    </p:animScale>
+                                  </p:childTnLst>
+                                </p:cTn>
+                              </p:par>
+                            </p:childTnLst>
+                          </p:cTn>
+                        </p:par>
+                      </p:childTnLst>
+                    </p:cTn>
+                  </p:par>
+                </p:childTnLst>
+              </p:cTn>
+              <p:prevCondLst>
+                <p:cond evt="onPrev" delay="0">
+                  <p:tgtEl>
+                    <p:sldTgt/>
+                  </p:tgtEl>
+                </p:cond>
+              </p:prevCondLst>
+              <p:nextCondLst>
+                <p:cond evt="onNext" delay="0">
+                  <p:tgtEl>
+                    <p:sldTgt/>
+                  </p:tgtEl>
+                </p:cond>
+              </p:nextCondLst>
+            </p:seq>
+          </p:childTnLst>
+        </p:cTn>
       </p:par>
     </p:tnLst>
   </p:timing>
@@ -4907,22 +5159,271 @@
       </p:grpSpPr>
       <p:pic>
         <p:nvPicPr>
-          <p:cNvPr id="51" name="그림 50"/>
+          <p:cNvPr id="2" name="그림 1"/>
           <p:cNvPicPr>
             <a:picLocks noChangeAspect="1"/>
           </p:cNvPicPr>
           <p:nvPr/>
         </p:nvPicPr>
         <p:blipFill>
-          <a:blip r:embed="rId2"/>
+          <a:blip r:embed="rId2" cstate="print">
+            <a:extLst>
+              <a:ext uri="{28A0092B-C50C-407E-A947-70E740481C1C}">
+                <a14:useLocalDpi xmlns:a14="http://schemas.microsoft.com/office/drawing/2010/main" val="0"/>
+              </a:ext>
+            </a:extLst>
+          </a:blip>
           <a:stretch>
             <a:fillRect/>
           </a:stretch>
         </p:blipFill>
         <p:spPr>
-          <a:xfrm>
-            <a:off x="-55397" y="-29028"/>
-            <a:ext cx="12302794" cy="6565961"/>
+          <a:xfrm rot="5400000">
+            <a:off x="2667000" y="-1303020"/>
+            <a:ext cx="6858000" cy="9464041"/>
+          </a:xfrm>
+          <a:prstGeom prst="rect">
+            <a:avLst/>
+          </a:prstGeom>
+        </p:spPr>
+      </p:pic>
+      <p:pic>
+        <p:nvPicPr>
+          <p:cNvPr id="4" name="Picture 2" descr="ê´ë ¨ ì´ë¯¸ì§"/>
+          <p:cNvPicPr>
+            <a:picLocks noChangeAspect="1" noChangeArrowheads="1"/>
+          </p:cNvPicPr>
+          <p:nvPr/>
+        </p:nvPicPr>
+        <p:blipFill rotWithShape="1">
+          <a:blip r:embed="rId3">
+            <a:extLst>
+              <a:ext uri="{BEBA8EAE-BF5A-486C-A8C5-ECC9F3942E4B}">
+                <a14:imgProps xmlns:a14="http://schemas.microsoft.com/office/drawing/2010/main">
+                  <a14:imgLayer r:embed="rId4">
+                    <a14:imgEffect>
+                      <a14:backgroundRemoval t="22315" b="70926" l="29329" r="68468">
+                        <a14:foregroundMark x1="37237" y1="34167" x2="37237" y2="34167"/>
+                        <a14:foregroundMark x1="41041" y1="28981" x2="41041" y2="28981"/>
+                        <a14:foregroundMark x1="46547" y1="26759" x2="46547" y2="26759"/>
+                        <a14:foregroundMark x1="51652" y1="29352" x2="51652" y2="29352"/>
+                        <a14:foregroundMark x1="54454" y1="33519" x2="54454" y2="33519"/>
+                        <a14:foregroundMark x1="51251" y1="51852" x2="51251" y2="51852"/>
+                        <a14:foregroundMark x1="59359" y1="50463" x2="53854" y2="57963"/>
+                      </a14:backgroundRemoval>
+                    </a14:imgEffect>
+                  </a14:imgLayer>
+                </a14:imgProps>
+              </a:ext>
+              <a:ext uri="{28A0092B-C50C-407E-A947-70E740481C1C}">
+                <a14:useLocalDpi xmlns:a14="http://schemas.microsoft.com/office/drawing/2010/main" val="0"/>
+              </a:ext>
+            </a:extLst>
+          </a:blip>
+          <a:srcRect l="34603" t="23175" r="32538" b="30087"/>
+          <a:stretch/>
+        </p:blipFill>
+        <p:spPr bwMode="auto">
+          <a:xfrm rot="19692170">
+            <a:off x="9647757" y="-428315"/>
+            <a:ext cx="1991077" cy="3061750"/>
+          </a:xfrm>
+          <a:prstGeom prst="rect">
+            <a:avLst/>
+          </a:prstGeom>
+          <a:noFill/>
+          <a:extLst>
+            <a:ext uri="{909E8E84-426E-40DD-AFC4-6F175D3DCCD1}">
+              <a14:hiddenFill xmlns:a14="http://schemas.microsoft.com/office/drawing/2010/main">
+                <a:solidFill>
+                  <a:srgbClr val="FFFFFF"/>
+                </a:solidFill>
+              </a14:hiddenFill>
+            </a:ext>
+          </a:extLst>
+        </p:spPr>
+      </p:pic>
+    </p:spTree>
+    <p:extLst>
+      <p:ext uri="{BB962C8B-B14F-4D97-AF65-F5344CB8AC3E}">
+        <p14:creationId xmlns:p14="http://schemas.microsoft.com/office/powerpoint/2010/main" val="1341052757"/>
+      </p:ext>
+    </p:extLst>
+  </p:cSld>
+  <p:clrMapOvr>
+    <a:masterClrMapping/>
+  </p:clrMapOvr>
+  <p:timing>
+    <p:tnLst>
+      <p:par>
+        <p:cTn id="1" dur="indefinite" restart="never" nodeType="tmRoot">
+          <p:childTnLst>
+            <p:seq concurrent="1" nextAc="seek">
+              <p:cTn id="2" dur="indefinite" nodeType="mainSeq">
+                <p:childTnLst>
+                  <p:par>
+                    <p:cTn id="3" fill="hold">
+                      <p:stCondLst>
+                        <p:cond delay="indefinite"/>
+                      </p:stCondLst>
+                      <p:childTnLst>
+                        <p:par>
+                          <p:cTn id="4" fill="hold">
+                            <p:stCondLst>
+                              <p:cond delay="0"/>
+                            </p:stCondLst>
+                            <p:childTnLst>
+                              <p:par>
+                                <p:cTn id="5" presetID="1" presetClass="entr" presetSubtype="0" fill="hold" nodeType="clickEffect">
+                                  <p:stCondLst>
+                                    <p:cond delay="0"/>
+                                  </p:stCondLst>
+                                  <p:childTnLst>
+                                    <p:set>
+                                      <p:cBhvr>
+                                        <p:cTn id="6" dur="1" fill="hold">
+                                          <p:stCondLst>
+                                            <p:cond delay="0"/>
+                                          </p:stCondLst>
+                                        </p:cTn>
+                                        <p:tgtEl>
+                                          <p:spTgt spid="4"/>
+                                        </p:tgtEl>
+                                        <p:attrNameLst>
+                                          <p:attrName>style.visibility</p:attrName>
+                                        </p:attrNameLst>
+                                      </p:cBhvr>
+                                      <p:to>
+                                        <p:strVal val="visible"/>
+                                      </p:to>
+                                    </p:set>
+                                  </p:childTnLst>
+                                </p:cTn>
+                              </p:par>
+                            </p:childTnLst>
+                          </p:cTn>
+                        </p:par>
+                      </p:childTnLst>
+                    </p:cTn>
+                  </p:par>
+                  <p:par>
+                    <p:cTn id="7" fill="hold">
+                      <p:stCondLst>
+                        <p:cond delay="indefinite"/>
+                      </p:stCondLst>
+                      <p:childTnLst>
+                        <p:par>
+                          <p:cTn id="8" fill="hold">
+                            <p:stCondLst>
+                              <p:cond delay="0"/>
+                            </p:stCondLst>
+                            <p:childTnLst>
+                              <p:par>
+                                <p:cTn id="9" presetID="26" presetClass="emph" presetSubtype="0" fill="hold" nodeType="clickEffect">
+                                  <p:stCondLst>
+                                    <p:cond delay="0"/>
+                                  </p:stCondLst>
+                                  <p:childTnLst>
+                                    <p:animEffect transition="out" filter="fade">
+                                      <p:cBhvr>
+                                        <p:cTn id="10" dur="500" tmFilter="0, 0; .2, .5; .8, .5; 1, 0"/>
+                                        <p:tgtEl>
+                                          <p:spTgt spid="4"/>
+                                        </p:tgtEl>
+                                      </p:cBhvr>
+                                    </p:animEffect>
+                                    <p:animScale>
+                                      <p:cBhvr>
+                                        <p:cTn id="11" dur="250" autoRev="1" fill="hold"/>
+                                        <p:tgtEl>
+                                          <p:spTgt spid="4"/>
+                                        </p:tgtEl>
+                                      </p:cBhvr>
+                                      <p:by x="105000" y="105000"/>
+                                    </p:animScale>
+                                  </p:childTnLst>
+                                </p:cTn>
+                              </p:par>
+                            </p:childTnLst>
+                          </p:cTn>
+                        </p:par>
+                      </p:childTnLst>
+                    </p:cTn>
+                  </p:par>
+                </p:childTnLst>
+              </p:cTn>
+              <p:prevCondLst>
+                <p:cond evt="onPrev" delay="0">
+                  <p:tgtEl>
+                    <p:sldTgt/>
+                  </p:tgtEl>
+                </p:cond>
+              </p:prevCondLst>
+              <p:nextCondLst>
+                <p:cond evt="onNext" delay="0">
+                  <p:tgtEl>
+                    <p:sldTgt/>
+                  </p:tgtEl>
+                </p:cond>
+              </p:nextCondLst>
+            </p:seq>
+          </p:childTnLst>
+        </p:cTn>
+      </p:par>
+    </p:tnLst>
+  </p:timing>
+</p:sld>
+</file>
+
+<file path=ppt/slides/slide8.xml><?xml version="1.0" encoding="utf-8"?>
+<p:sld xmlns:a="http://schemas.openxmlformats.org/drawingml/2006/main" xmlns:r="http://schemas.openxmlformats.org/officeDocument/2006/relationships" xmlns:p="http://schemas.openxmlformats.org/presentationml/2006/main">
+  <p:cSld>
+    <p:bg>
+      <p:bgPr>
+        <a:solidFill>
+          <a:srgbClr val="FF0D54"/>
+        </a:solidFill>
+        <a:effectLst/>
+      </p:bgPr>
+    </p:bg>
+    <p:spTree>
+      <p:nvGrpSpPr>
+        <p:cNvPr id="1" name=""/>
+        <p:cNvGrpSpPr/>
+        <p:nvPr/>
+      </p:nvGrpSpPr>
+      <p:grpSpPr>
+        <a:xfrm>
+          <a:off x="0" y="0"/>
+          <a:ext cx="0" cy="0"/>
+          <a:chOff x="0" y="0"/>
+          <a:chExt cx="0" cy="0"/>
+        </a:xfrm>
+      </p:grpSpPr>
+      <p:pic>
+        <p:nvPicPr>
+          <p:cNvPr id="3" name="그림 2"/>
+          <p:cNvPicPr>
+            <a:picLocks noChangeAspect="1"/>
+          </p:cNvPicPr>
+          <p:nvPr/>
+        </p:nvPicPr>
+        <p:blipFill>
+          <a:blip r:embed="rId2" cstate="print">
+            <a:extLst>
+              <a:ext uri="{28A0092B-C50C-407E-A947-70E740481C1C}">
+                <a14:useLocalDpi xmlns:a14="http://schemas.microsoft.com/office/drawing/2010/main" val="0"/>
+              </a:ext>
+            </a:extLst>
+          </a:blip>
+          <a:stretch>
+            <a:fillRect/>
+          </a:stretch>
+        </p:blipFill>
+        <p:spPr>
+          <a:xfrm rot="5400000">
+            <a:off x="2667000" y="-1303020"/>
+            <a:ext cx="6858000" cy="9464040"/>
           </a:xfrm>
           <a:prstGeom prst="rect">
             <a:avLst/>
@@ -4932,7 +5433,75 @@
     </p:spTree>
     <p:extLst>
       <p:ext uri="{BB962C8B-B14F-4D97-AF65-F5344CB8AC3E}">
-        <p14:creationId xmlns:p14="http://schemas.microsoft.com/office/powerpoint/2010/main" val="1950387939"/>
+        <p14:creationId xmlns:p14="http://schemas.microsoft.com/office/powerpoint/2010/main" val="3174151469"/>
+      </p:ext>
+    </p:extLst>
+  </p:cSld>
+  <p:clrMapOvr>
+    <a:masterClrMapping/>
+  </p:clrMapOvr>
+  <p:timing>
+    <p:tnLst>
+      <p:par>
+        <p:cTn id="1" dur="indefinite" restart="never" nodeType="tmRoot"/>
+      </p:par>
+    </p:tnLst>
+  </p:timing>
+</p:sld>
+</file>
+
+<file path=ppt/slides/slide9.xml><?xml version="1.0" encoding="utf-8"?>
+<p:sld xmlns:a="http://schemas.openxmlformats.org/drawingml/2006/main" xmlns:r="http://schemas.openxmlformats.org/officeDocument/2006/relationships" xmlns:p="http://schemas.openxmlformats.org/presentationml/2006/main">
+  <p:cSld>
+    <p:bg>
+      <p:bgPr>
+        <a:solidFill>
+          <a:srgbClr val="FF0D54"/>
+        </a:solidFill>
+        <a:effectLst/>
+      </p:bgPr>
+    </p:bg>
+    <p:spTree>
+      <p:nvGrpSpPr>
+        <p:cNvPr id="1" name=""/>
+        <p:cNvGrpSpPr/>
+        <p:nvPr/>
+      </p:nvGrpSpPr>
+      <p:grpSpPr>
+        <a:xfrm>
+          <a:off x="0" y="0"/>
+          <a:ext cx="0" cy="0"/>
+          <a:chOff x="0" y="0"/>
+          <a:chExt cx="0" cy="0"/>
+        </a:xfrm>
+      </p:grpSpPr>
+      <p:pic>
+        <p:nvPicPr>
+          <p:cNvPr id="19" name="그림 18"/>
+          <p:cNvPicPr>
+            <a:picLocks noChangeAspect="1"/>
+          </p:cNvPicPr>
+          <p:nvPr/>
+        </p:nvPicPr>
+        <p:blipFill rotWithShape="1">
+          <a:blip r:embed="rId2"/>
+          <a:srcRect r="16414"/>
+          <a:stretch/>
+        </p:blipFill>
+        <p:spPr>
+          <a:xfrm>
+            <a:off x="-58420" y="-25400"/>
+            <a:ext cx="12250420" cy="8480271"/>
+          </a:xfrm>
+          <a:prstGeom prst="rect">
+            <a:avLst/>
+          </a:prstGeom>
+        </p:spPr>
+      </p:pic>
+    </p:spTree>
+    <p:extLst>
+      <p:ext uri="{BB962C8B-B14F-4D97-AF65-F5344CB8AC3E}">
+        <p14:creationId xmlns:p14="http://schemas.microsoft.com/office/powerpoint/2010/main" val="754237967"/>
       </p:ext>
     </p:extLst>
   </p:cSld>
